--- a/City of Aaron/src/Misc/CIT 260 Mid-Term Presentation.pptx
+++ b/City of Aaron/src/Misc/CIT 260 Mid-Term Presentation.pptx
@@ -265,6 +265,11 @@
       </a:defRPr>
     </a:lvl9pPr>
   </p:defaultTextStyle>
+  <p:extLst>
+    <p:ext uri="{EFAFB233-063F-42B5-8137-9DF3F51BA10A}">
+      <p15:sldGuideLst xmlns:p15="http://schemas.microsoft.com/office/powerpoint/2012/main"/>
+    </p:ext>
+  </p:extLst>
 </p:presentation>
 </file>
 
@@ -1294,8 +1299,8 @@
         </p:nvSpPr>
         <p:spPr>
           <a:xfrm>
-            <a:off x="1143225" y="685800"/>
-            <a:ext cx="4572225" cy="3429000"/>
+            <a:off x="381000" y="685800"/>
+            <a:ext cx="6096000" cy="3429000"/>
           </a:xfrm>
           <a:custGeom>
             <a:avLst/>
@@ -2334,8 +2339,8 @@
         </p:nvSpPr>
         <p:spPr>
           <a:xfrm>
-            <a:off x="1143225" y="685800"/>
-            <a:ext cx="4572225" cy="3429000"/>
+            <a:off x="381000" y="685800"/>
+            <a:ext cx="6096000" cy="3429000"/>
           </a:xfrm>
           <a:custGeom>
             <a:avLst/>
@@ -19908,10 +19913,10 @@
               <a:buNone/>
             </a:pPr>
             <a:r>
-              <a:rPr lang="en-US"/>
+              <a:rPr lang="en-US" dirty="0"/>
               <a:t>CIT 260 Mid-Term Presentation</a:t>
             </a:r>
-            <a:endParaRPr/>
+            <a:endParaRPr dirty="0"/>
           </a:p>
         </p:txBody>
       </p:sp>
@@ -19955,10 +19960,10 @@
               <a:buNone/>
             </a:pPr>
             <a:r>
-              <a:rPr lang="en-US"/>
+              <a:rPr lang="en-US" dirty="0"/>
               <a:t>Straight &amp; Narrow Team</a:t>
             </a:r>
-            <a:endParaRPr/>
+            <a:endParaRPr dirty="0"/>
           </a:p>
           <a:p>
             <a:pPr marL="0" lvl="0" indent="0" algn="ctr" rtl="0">
@@ -19972,10 +19977,10 @@
               <a:buNone/>
             </a:pPr>
             <a:r>
-              <a:rPr lang="en-US"/>
+              <a:rPr lang="en-US" dirty="0"/>
               <a:t>Fred Hicken- Taylor Williams – Edgar Romero</a:t>
             </a:r>
-            <a:endParaRPr/>
+            <a:endParaRPr dirty="0"/>
           </a:p>
         </p:txBody>
       </p:sp>
@@ -20048,17 +20053,17 @@
               <a:buNone/>
             </a:pPr>
             <a:r>
-              <a:rPr lang="en-US"/>
+              <a:rPr lang="en-US" dirty="0"/>
               <a:t>Taylor Williams</a:t>
             </a:r>
             <a:br>
-              <a:rPr lang="en-US"/>
+              <a:rPr lang="en-US" dirty="0"/>
             </a:br>
             <a:r>
-              <a:rPr lang="en-US"/>
+              <a:rPr lang="en-US" dirty="0"/>
               <a:t>Personal Code  Selection</a:t>
             </a:r>
-            <a:endParaRPr/>
+            <a:endParaRPr dirty="0"/>
           </a:p>
         </p:txBody>
       </p:sp>
@@ -20295,17 +20300,17 @@
               <a:buNone/>
             </a:pPr>
             <a:r>
-              <a:rPr lang="en-US"/>
+              <a:rPr lang="en-US" dirty="0"/>
               <a:t>Edgar Romero</a:t>
             </a:r>
             <a:br>
-              <a:rPr lang="en-US"/>
+              <a:rPr lang="en-US" dirty="0"/>
             </a:br>
             <a:r>
-              <a:rPr lang="en-US"/>
+              <a:rPr lang="en-US" dirty="0"/>
               <a:t>Personal Code Selection</a:t>
             </a:r>
-            <a:endParaRPr/>
+            <a:endParaRPr dirty="0"/>
           </a:p>
         </p:txBody>
       </p:sp>
@@ -20395,6 +20400,97 @@
           </a:p>
         </p:txBody>
       </p:sp>
+      <p:pic>
+        <p:nvPicPr>
+          <p:cNvPr id="5" name="Google Shape;216;p26">
+            <a:extLst>
+              <a:ext uri="{FF2B5EF4-FFF2-40B4-BE49-F238E27FC236}">
+                <a16:creationId xmlns:a16="http://schemas.microsoft.com/office/drawing/2014/main" id="{110F42F7-2BE4-47D6-B3F2-1B347F914CFC}"/>
+              </a:ext>
+            </a:extLst>
+          </p:cNvPr>
+          <p:cNvPicPr preferRelativeResize="0">
+            <a:picLocks/>
+          </p:cNvPicPr>
+          <p:nvPr/>
+        </p:nvPicPr>
+        <p:blipFill rotWithShape="1">
+          <a:blip r:embed="rId4">
+            <a:alphaModFix/>
+          </a:blip>
+          <a:srcRect/>
+          <a:stretch/>
+        </p:blipFill>
+        <p:spPr>
+          <a:xfrm>
+            <a:off x="7340779" y="2089250"/>
+            <a:ext cx="3973530" cy="3778250"/>
+          </a:xfrm>
+          <a:prstGeom prst="rect">
+            <a:avLst/>
+          </a:prstGeom>
+          <a:noFill/>
+          <a:ln>
+            <a:noFill/>
+          </a:ln>
+        </p:spPr>
+      </p:pic>
+      <p:sp>
+        <p:nvSpPr>
+          <p:cNvPr id="6" name="Google Shape;218;p26">
+            <a:extLst>
+              <a:ext uri="{FF2B5EF4-FFF2-40B4-BE49-F238E27FC236}">
+                <a16:creationId xmlns:a16="http://schemas.microsoft.com/office/drawing/2014/main" id="{C3F2C571-6532-43B0-857A-B899987D52D2}"/>
+              </a:ext>
+            </a:extLst>
+          </p:cNvPr>
+          <p:cNvSpPr txBox="1"/>
+          <p:nvPr/>
+        </p:nvSpPr>
+        <p:spPr>
+          <a:xfrm>
+            <a:off x="8045765" y="1764270"/>
+            <a:ext cx="2243847" cy="369332"/>
+          </a:xfrm>
+          <a:prstGeom prst="rect">
+            <a:avLst/>
+          </a:prstGeom>
+          <a:noFill/>
+          <a:ln>
+            <a:noFill/>
+          </a:ln>
+        </p:spPr>
+        <p:txBody>
+          <a:bodyPr spcFirstLastPara="1" wrap="square" lIns="91425" tIns="45700" rIns="91425" bIns="45700" anchor="t" anchorCtr="0">
+            <a:noAutofit/>
+          </a:bodyPr>
+          <a:lstStyle/>
+          <a:p>
+            <a:pPr marL="0" marR="0" lvl="0" indent="0" algn="ctr" rtl="0">
+              <a:spcBef>
+                <a:spcPts val="0"/>
+              </a:spcBef>
+              <a:spcAft>
+                <a:spcPts val="0"/>
+              </a:spcAft>
+              <a:buNone/>
+            </a:pPr>
+            <a:r>
+              <a:rPr lang="en-US" sz="1800" b="0" i="0" u="none" strike="noStrike" cap="none" dirty="0">
+                <a:solidFill>
+                  <a:schemeClr val="dk1"/>
+                </a:solidFill>
+                <a:latin typeface="Century Gothic"/>
+                <a:ea typeface="Century Gothic"/>
+                <a:cs typeface="Century Gothic"/>
+                <a:sym typeface="Century Gothic"/>
+              </a:rPr>
+              <a:t>Switch Statements</a:t>
+            </a:r>
+            <a:endParaRPr dirty="0"/>
+          </a:p>
+        </p:txBody>
+      </p:sp>
     </p:spTree>
   </p:cSld>
   <p:clrMapOvr>
@@ -20464,17 +20560,17 @@
               <a:buNone/>
             </a:pPr>
             <a:r>
-              <a:rPr lang="en-US"/>
+              <a:rPr lang="en-US" dirty="0"/>
               <a:t>Fred Hicken</a:t>
             </a:r>
             <a:br>
-              <a:rPr lang="en-US"/>
+              <a:rPr lang="en-US" dirty="0"/>
             </a:br>
             <a:r>
-              <a:rPr lang="en-US"/>
+              <a:rPr lang="en-US" dirty="0"/>
               <a:t>Unit Test</a:t>
             </a:r>
-            <a:endParaRPr/>
+            <a:endParaRPr dirty="0"/>
           </a:p>
         </p:txBody>
       </p:sp>
@@ -20609,17 +20705,17 @@
               <a:buNone/>
             </a:pPr>
             <a:r>
-              <a:rPr lang="en-US"/>
+              <a:rPr lang="en-US" dirty="0"/>
               <a:t>Taylor Williams</a:t>
             </a:r>
             <a:br>
-              <a:rPr lang="en-US"/>
+              <a:rPr lang="en-US" dirty="0"/>
             </a:br>
             <a:r>
-              <a:rPr lang="en-US"/>
+              <a:rPr lang="en-US" dirty="0"/>
               <a:t>Unit Test</a:t>
             </a:r>
-            <a:endParaRPr/>
+            <a:endParaRPr dirty="0"/>
           </a:p>
         </p:txBody>
       </p:sp>
@@ -20715,10 +20811,6 @@
           </p:nvPr>
         </p:nvSpPr>
         <p:spPr>
-          <a:xfrm>
-            <a:off x="2592924" y="624110"/>
-            <a:ext cx="8911687" cy="1280890"/>
-          </a:xfrm>
           <a:prstGeom prst="rect">
             <a:avLst/>
           </a:prstGeom>
@@ -20748,106 +20840,50 @@
               <a:buNone/>
             </a:pPr>
             <a:r>
-              <a:rPr lang="en-US"/>
+              <a:rPr lang="en-US" dirty="0"/>
               <a:t>Edgar Romero</a:t>
             </a:r>
             <a:br>
-              <a:rPr lang="en-US"/>
+              <a:rPr lang="en-US" dirty="0"/>
             </a:br>
             <a:r>
-              <a:rPr lang="en-US"/>
+              <a:rPr lang="en-US" dirty="0"/>
               <a:t>Unit Test</a:t>
             </a:r>
-            <a:endParaRPr/>
+            <a:endParaRPr dirty="0"/>
           </a:p>
         </p:txBody>
       </p:sp>
-      <p:sp>
-        <p:nvSpPr>
-          <p:cNvPr id="256" name="Google Shape;256;p31"/>
-          <p:cNvSpPr txBox="1">
-            <a:spLocks noGrp="1"/>
-          </p:cNvSpPr>
-          <p:nvPr>
-            <p:ph type="body" idx="1"/>
-          </p:nvPr>
-        </p:nvSpPr>
+      <p:pic>
+        <p:nvPicPr>
+          <p:cNvPr id="10" name="Picture 9">
+            <a:extLst>
+              <a:ext uri="{FF2B5EF4-FFF2-40B4-BE49-F238E27FC236}">
+                <a16:creationId xmlns:a16="http://schemas.microsoft.com/office/drawing/2014/main" id="{F32855CC-AB8A-4575-B714-CA9499C63CDF}"/>
+              </a:ext>
+            </a:extLst>
+          </p:cNvPr>
+          <p:cNvPicPr>
+            <a:picLocks noChangeAspect="1"/>
+          </p:cNvPicPr>
+          <p:nvPr/>
+        </p:nvPicPr>
+        <p:blipFill>
+          <a:blip r:embed="rId3"/>
+          <a:stretch>
+            <a:fillRect/>
+          </a:stretch>
+        </p:blipFill>
         <p:spPr>
           <a:xfrm>
-            <a:off x="2589212" y="2133600"/>
-            <a:ext cx="4313864" cy="3777622"/>
+            <a:off x="7118763" y="1905000"/>
+            <a:ext cx="4582800" cy="4249250"/>
           </a:xfrm>
           <a:prstGeom prst="rect">
             <a:avLst/>
           </a:prstGeom>
-          <a:noFill/>
-          <a:ln>
-            <a:noFill/>
-          </a:ln>
         </p:spPr>
-        <p:txBody>
-          <a:bodyPr spcFirstLastPara="1" wrap="square" lIns="91425" tIns="45700" rIns="91425" bIns="45700" anchor="t" anchorCtr="0">
-            <a:noAutofit/>
-          </a:bodyPr>
-          <a:lstStyle/>
-          <a:p>
-            <a:pPr marL="342900" lvl="0" indent="-228600" algn="l" rtl="0">
-              <a:spcBef>
-                <a:spcPts val="0"/>
-              </a:spcBef>
-              <a:spcAft>
-                <a:spcPts val="0"/>
-              </a:spcAft>
-              <a:buSzPts val="1800"/>
-              <a:buNone/>
-            </a:pPr>
-            <a:endParaRPr/>
-          </a:p>
-        </p:txBody>
-      </p:sp>
-      <p:sp>
-        <p:nvSpPr>
-          <p:cNvPr id="257" name="Google Shape;257;p31"/>
-          <p:cNvSpPr txBox="1">
-            <a:spLocks noGrp="1"/>
-          </p:cNvSpPr>
-          <p:nvPr>
-            <p:ph type="body" idx="2"/>
-          </p:nvPr>
-        </p:nvSpPr>
-        <p:spPr>
-          <a:xfrm>
-            <a:off x="7190747" y="2126222"/>
-            <a:ext cx="4313864" cy="3777622"/>
-          </a:xfrm>
-          <a:prstGeom prst="rect">
-            <a:avLst/>
-          </a:prstGeom>
-          <a:noFill/>
-          <a:ln>
-            <a:noFill/>
-          </a:ln>
-        </p:spPr>
-        <p:txBody>
-          <a:bodyPr spcFirstLastPara="1" wrap="square" lIns="91425" tIns="45700" rIns="91425" bIns="45700" anchor="t" anchorCtr="0">
-            <a:noAutofit/>
-          </a:bodyPr>
-          <a:lstStyle/>
-          <a:p>
-            <a:pPr marL="342900" lvl="0" indent="-228600" algn="l" rtl="0">
-              <a:spcBef>
-                <a:spcPts val="0"/>
-              </a:spcBef>
-              <a:spcAft>
-                <a:spcPts val="0"/>
-              </a:spcAft>
-              <a:buSzPts val="1800"/>
-              <a:buNone/>
-            </a:pPr>
-            <a:endParaRPr/>
-          </a:p>
-        </p:txBody>
-      </p:sp>
+      </p:pic>
     </p:spTree>
   </p:cSld>
   <p:clrMapOvr>
@@ -20917,20 +20953,20 @@
               <a:buNone/>
             </a:pPr>
             <a:r>
-              <a:rPr lang="en-US" sz="3240"/>
+              <a:rPr lang="en-US" sz="3240" dirty="0"/>
               <a:t>Team Showcase</a:t>
             </a:r>
             <a:br>
-              <a:rPr lang="en-US" sz="3240"/>
+              <a:rPr lang="en-US" sz="3240" dirty="0"/>
             </a:br>
             <a:r>
-              <a:rPr lang="en-US" sz="3240"/>
+              <a:rPr lang="en-US" sz="3240" dirty="0"/>
               <a:t>Scope &amp; Lifespan of a Variable</a:t>
             </a:r>
             <a:br>
-              <a:rPr lang="en-US" sz="3240"/>
+              <a:rPr lang="en-US" sz="3240" dirty="0"/>
             </a:br>
-            <a:endParaRPr sz="3240"/>
+            <a:endParaRPr sz="3240" dirty="0"/>
           </a:p>
         </p:txBody>
       </p:sp>
@@ -21034,17 +21070,17 @@
               <a:buNone/>
             </a:pPr>
             <a:r>
-              <a:rPr lang="en-US"/>
+              <a:rPr lang="en-US" dirty="0"/>
               <a:t>Team Showcase</a:t>
             </a:r>
             <a:br>
-              <a:rPr lang="en-US"/>
+              <a:rPr lang="en-US" dirty="0"/>
             </a:br>
             <a:r>
-              <a:rPr lang="en-US"/>
+              <a:rPr lang="en-US" dirty="0"/>
               <a:t>Pass-By-Reference &amp; Pass-By-Value</a:t>
             </a:r>
-            <a:endParaRPr/>
+            <a:endParaRPr dirty="0"/>
           </a:p>
         </p:txBody>
       </p:sp>
@@ -21148,17 +21184,17 @@
               <a:buNone/>
             </a:pPr>
             <a:r>
-              <a:rPr lang="en-US"/>
+              <a:rPr lang="en-US" dirty="0"/>
               <a:t>7 Steps of The </a:t>
             </a:r>
             <a:br>
-              <a:rPr lang="en-US"/>
+              <a:rPr lang="en-US" dirty="0"/>
             </a:br>
             <a:r>
-              <a:rPr lang="en-US"/>
+              <a:rPr lang="en-US" dirty="0"/>
               <a:t>Function Development Process</a:t>
             </a:r>
-            <a:endParaRPr/>
+            <a:endParaRPr dirty="0"/>
           </a:p>
         </p:txBody>
       </p:sp>
@@ -21202,10 +21238,10 @@
               <a:buChar char="•"/>
             </a:pPr>
             <a:r>
-              <a:rPr lang="en-US" sz="2000"/>
+              <a:rPr lang="en-US" sz="2000" dirty="0"/>
               <a:t>Step 1 – Define the Problem</a:t>
             </a:r>
-            <a:endParaRPr/>
+            <a:endParaRPr dirty="0"/>
           </a:p>
           <a:p>
             <a:pPr marL="342900" lvl="0" indent="-342900" algn="ctr" rtl="0">
@@ -21219,10 +21255,10 @@
               <a:buChar char="•"/>
             </a:pPr>
             <a:r>
-              <a:rPr lang="en-US" sz="2000"/>
+              <a:rPr lang="en-US" sz="2000" dirty="0"/>
               <a:t>Step 2 – Create Test Matrix</a:t>
             </a:r>
-            <a:endParaRPr/>
+            <a:endParaRPr dirty="0"/>
           </a:p>
           <a:p>
             <a:pPr marL="342900" lvl="0" indent="-342900" algn="ctr" rtl="0">
@@ -21236,10 +21272,10 @@
               <a:buChar char="•"/>
             </a:pPr>
             <a:r>
-              <a:rPr lang="en-US" sz="2000"/>
+              <a:rPr lang="en-US" sz="2000" dirty="0"/>
               <a:t>Step 3 – Outline Solution</a:t>
             </a:r>
-            <a:endParaRPr/>
+            <a:endParaRPr dirty="0"/>
           </a:p>
           <a:p>
             <a:pPr marL="342900" lvl="0" indent="-342900" algn="ctr" rtl="0">
@@ -21253,10 +21289,10 @@
               <a:buChar char="•"/>
             </a:pPr>
             <a:r>
-              <a:rPr lang="en-US" sz="2000"/>
+              <a:rPr lang="en-US" sz="2000" dirty="0"/>
               <a:t>Step 4 – Test Algorithm</a:t>
             </a:r>
-            <a:endParaRPr/>
+            <a:endParaRPr dirty="0"/>
           </a:p>
           <a:p>
             <a:pPr marL="342900" lvl="0" indent="-342900" algn="ctr" rtl="0">
@@ -21270,10 +21306,10 @@
               <a:buChar char="•"/>
             </a:pPr>
             <a:r>
-              <a:rPr lang="en-US" sz="2000"/>
+              <a:rPr lang="en-US" sz="2000" dirty="0"/>
               <a:t>Step 5 – Translate to Code</a:t>
             </a:r>
-            <a:endParaRPr/>
+            <a:endParaRPr dirty="0"/>
           </a:p>
           <a:p>
             <a:pPr marL="342900" lvl="0" indent="-342900" algn="ctr" rtl="0">
@@ -21287,10 +21323,10 @@
               <a:buChar char="•"/>
             </a:pPr>
             <a:r>
-              <a:rPr lang="en-US" sz="2000"/>
+              <a:rPr lang="en-US" sz="2000" dirty="0"/>
               <a:t>Step 6 – Run Tests</a:t>
             </a:r>
-            <a:endParaRPr/>
+            <a:endParaRPr dirty="0"/>
           </a:p>
           <a:p>
             <a:pPr marL="342900" lvl="0" indent="-342900" algn="ctr" rtl="0">
@@ -21304,10 +21340,10 @@
               <a:buChar char="•"/>
             </a:pPr>
             <a:r>
-              <a:rPr lang="en-US" sz="2000"/>
+              <a:rPr lang="en-US" sz="2000" dirty="0"/>
               <a:t>Step 7 – Deploy Code</a:t>
             </a:r>
-            <a:endParaRPr/>
+            <a:endParaRPr dirty="0"/>
           </a:p>
         </p:txBody>
       </p:sp>
@@ -22002,17 +22038,17 @@
               <a:buNone/>
             </a:pPr>
             <a:r>
-              <a:rPr lang="en-US"/>
+              <a:rPr lang="en-US" dirty="0"/>
               <a:t>Step 6 &amp; 7</a:t>
             </a:r>
             <a:br>
-              <a:rPr lang="en-US"/>
+              <a:rPr lang="en-US" dirty="0"/>
             </a:br>
             <a:r>
-              <a:rPr lang="en-US"/>
+              <a:rPr lang="en-US" dirty="0"/>
               <a:t>Run Tests &amp; Deploy</a:t>
             </a:r>
-            <a:endParaRPr/>
+            <a:endParaRPr dirty="0"/>
           </a:p>
         </p:txBody>
       </p:sp>
@@ -22082,7 +22118,7 @@
               <a:buNone/>
             </a:pPr>
             <a:r>
-              <a:rPr lang="en-US" sz="1800" b="0" i="0" u="none" strike="noStrike" cap="none">
+              <a:rPr lang="en-US" sz="1800" b="0" i="0" u="none" strike="noStrike" cap="none" dirty="0">
                 <a:solidFill>
                   <a:schemeClr val="dk1"/>
                 </a:solidFill>
@@ -22093,7 +22129,7 @@
               </a:rPr>
               <a:t>If Everything Passes Your Ready To Push Your Code To The Main Branch</a:t>
             </a:r>
-            <a:endParaRPr/>
+            <a:endParaRPr dirty="0"/>
           </a:p>
           <a:p>
             <a:pPr marL="0" marR="0" lvl="0" indent="0" algn="ctr" rtl="0">
@@ -22106,7 +22142,7 @@
               <a:buNone/>
             </a:pPr>
             <a:r>
-              <a:rPr lang="en-US" sz="1800" b="0" i="0" u="none" strike="noStrike" cap="none">
+              <a:rPr lang="en-US" sz="1800" b="0" i="0" u="none" strike="noStrike" cap="none" dirty="0">
                 <a:solidFill>
                   <a:schemeClr val="dk1"/>
                 </a:solidFill>
@@ -22118,7 +22154,7 @@
               <a:t>(</a:t>
             </a:r>
             <a:r>
-              <a:rPr lang="en-US" sz="1800" b="1" i="0" u="none" strike="noStrike" cap="none">
+              <a:rPr lang="en-US" sz="1800" b="1" i="0" u="none" strike="noStrike" cap="none" dirty="0">
                 <a:solidFill>
                   <a:schemeClr val="dk1"/>
                 </a:solidFill>
@@ -22130,7 +22166,7 @@
               <a:t>REMEMBER</a:t>
             </a:r>
             <a:r>
-              <a:rPr lang="en-US" sz="1800" b="0" i="0" u="none" strike="noStrike" cap="none">
+              <a:rPr lang="en-US" sz="1800" b="0" i="0" u="none" strike="noStrike" cap="none" dirty="0">
                 <a:solidFill>
                   <a:schemeClr val="dk1"/>
                 </a:solidFill>
@@ -22141,7 +22177,7 @@
               </a:rPr>
               <a:t> - Valid Test Cases Are Just As Important If Not More Than Invalid Test Cases)</a:t>
             </a:r>
-            <a:endParaRPr/>
+            <a:endParaRPr dirty="0"/>
           </a:p>
         </p:txBody>
       </p:sp>
@@ -22259,37 +22295,6 @@
           </a:ln>
         </p:spPr>
       </p:pic>
-      <p:pic>
-        <p:nvPicPr>
-          <p:cNvPr id="216" name="Google Shape;216;p26"/>
-          <p:cNvPicPr preferRelativeResize="0">
-            <a:picLocks noGrp="1"/>
-          </p:cNvPicPr>
-          <p:nvPr>
-            <p:ph type="body" idx="2"/>
-          </p:nvPr>
-        </p:nvPicPr>
-        <p:blipFill rotWithShape="1">
-          <a:blip r:embed="rId4">
-            <a:alphaModFix/>
-          </a:blip>
-          <a:srcRect/>
-          <a:stretch/>
-        </p:blipFill>
-        <p:spPr>
-          <a:xfrm>
-            <a:off x="7361229" y="2125663"/>
-            <a:ext cx="3973530" cy="3778250"/>
-          </a:xfrm>
-          <a:prstGeom prst="rect">
-            <a:avLst/>
-          </a:prstGeom>
-          <a:noFill/>
-          <a:ln>
-            <a:noFill/>
-          </a:ln>
-        </p:spPr>
-      </p:pic>
       <p:sp>
         <p:nvSpPr>
           <p:cNvPr id="217" name="Google Shape;217;p26"/>
@@ -22325,7 +22330,7 @@
               <a:buNone/>
             </a:pPr>
             <a:r>
-              <a:rPr lang="en-US" sz="1800" b="0" i="0" u="none" strike="noStrike" cap="none">
+              <a:rPr lang="en-US" sz="1800" b="0" i="0" u="none" strike="noStrike" cap="none" dirty="0">
                 <a:solidFill>
                   <a:schemeClr val="dk1"/>
                 </a:solidFill>
@@ -22336,7 +22341,7 @@
               </a:rPr>
               <a:t>If Statements</a:t>
             </a:r>
-            <a:endParaRPr/>
+            <a:endParaRPr dirty="0"/>
           </a:p>
         </p:txBody>
       </p:sp>
@@ -22390,6 +22395,36 @@
           </a:p>
         </p:txBody>
       </p:sp>
+      <p:pic>
+        <p:nvPicPr>
+          <p:cNvPr id="3" name="Picture 2">
+            <a:extLst>
+              <a:ext uri="{FF2B5EF4-FFF2-40B4-BE49-F238E27FC236}">
+                <a16:creationId xmlns:a16="http://schemas.microsoft.com/office/drawing/2014/main" id="{577D96C6-5918-4930-A4C4-19BA5FA8AAA5}"/>
+              </a:ext>
+            </a:extLst>
+          </p:cNvPr>
+          <p:cNvPicPr>
+            <a:picLocks noChangeAspect="1"/>
+          </p:cNvPicPr>
+          <p:nvPr/>
+        </p:nvPicPr>
+        <p:blipFill>
+          <a:blip r:embed="rId4"/>
+          <a:stretch>
+            <a:fillRect/>
+          </a:stretch>
+        </p:blipFill>
+        <p:spPr>
+          <a:xfrm>
+            <a:off x="7495493" y="2133600"/>
+            <a:ext cx="3705000" cy="4151500"/>
+          </a:xfrm>
+          <a:prstGeom prst="rect">
+            <a:avLst/>
+          </a:prstGeom>
+        </p:spPr>
+      </p:pic>
     </p:spTree>
   </p:cSld>
   <p:clrMapOvr>

--- a/City of Aaron/src/Misc/CIT 260 Mid-Term Presentation.pptx
+++ b/City of Aaron/src/Misc/CIT 260 Mid-Term Presentation.pptx
@@ -271,6 +271,43 @@
     </p:ext>
   </p:extLst>
 </p:presentation>
+</file>
+
+<file path=ppt/revisionInfo.xml><?xml version="1.0" encoding="utf-8"?>
+<p1510:revInfo xmlns:a="http://schemas.openxmlformats.org/drawingml/2006/main" xmlns:r="http://schemas.openxmlformats.org/officeDocument/2006/relationships" xmlns:p1510="http://schemas.microsoft.com/office/powerpoint/2015/10/main">
+  <p1510:revLst>
+    <p1510:client id="{31F8B8D6-A613-4CAB-A26B-F1DF0E5FC87B}" v="1" dt="2018-11-11T01:05:32.964"/>
+  </p1510:revLst>
+</p1510:revInfo>
+</file>
+
+<file path=ppt/changesInfos/changesInfo1.xml><?xml version="1.0" encoding="utf-8"?>
+<pc:chgInfo xmlns:a="http://schemas.openxmlformats.org/drawingml/2006/main" xmlns:r="http://schemas.openxmlformats.org/officeDocument/2006/relationships" xmlns:ac="http://schemas.microsoft.com/office/drawing/2013/main/command" xmlns:pc="http://schemas.microsoft.com/office/powerpoint/2013/main/command">
+  <pc:docChgLst>
+    <pc:chgData name="Edgar Romero" userId="4277ae02-cb03-4964-a174-af1da477243e" providerId="ADAL" clId="{31F8B8D6-A613-4CAB-A26B-F1DF0E5FC87B}"/>
+    <pc:docChg chg="modSld">
+      <pc:chgData name="Edgar Romero" userId="4277ae02-cb03-4964-a174-af1da477243e" providerId="ADAL" clId="{31F8B8D6-A613-4CAB-A26B-F1DF0E5FC87B}" dt="2018-11-11T01:06:00.832" v="7" actId="1076"/>
+      <pc:docMkLst>
+        <pc:docMk/>
+      </pc:docMkLst>
+      <pc:sldChg chg="addSp modSp">
+        <pc:chgData name="Edgar Romero" userId="4277ae02-cb03-4964-a174-af1da477243e" providerId="ADAL" clId="{31F8B8D6-A613-4CAB-A26B-F1DF0E5FC87B}" dt="2018-11-11T01:06:00.832" v="7" actId="1076"/>
+        <pc:sldMkLst>
+          <pc:docMk/>
+          <pc:sldMk cId="0" sldId="269"/>
+        </pc:sldMkLst>
+        <pc:picChg chg="add mod modCrop">
+          <ac:chgData name="Edgar Romero" userId="4277ae02-cb03-4964-a174-af1da477243e" providerId="ADAL" clId="{31F8B8D6-A613-4CAB-A26B-F1DF0E5FC87B}" dt="2018-11-11T01:06:00.832" v="7" actId="1076"/>
+          <ac:picMkLst>
+            <pc:docMk/>
+            <pc:sldMk cId="0" sldId="269"/>
+            <ac:picMk id="2" creationId="{51A128AF-5A43-4EDC-B340-D3D3B55B6CC4}"/>
+          </ac:picMkLst>
+        </pc:picChg>
+      </pc:sldChg>
+    </pc:docChg>
+  </pc:docChgLst>
+</pc:chgInfo>
 </file>
 
 <file path=ppt/notesMasters/notesMaster1.xml><?xml version="1.0" encoding="utf-8"?>
@@ -20884,6 +20921,35 @@
           </a:prstGeom>
         </p:spPr>
       </p:pic>
+      <p:pic>
+        <p:nvPicPr>
+          <p:cNvPr id="2" name="Picture 1">
+            <a:extLst>
+              <a:ext uri="{FF2B5EF4-FFF2-40B4-BE49-F238E27FC236}">
+                <a16:creationId xmlns:a16="http://schemas.microsoft.com/office/drawing/2014/main" id="{51A128AF-5A43-4EDC-B340-D3D3B55B6CC4}"/>
+              </a:ext>
+            </a:extLst>
+          </p:cNvPr>
+          <p:cNvPicPr>
+            <a:picLocks noChangeAspect="1"/>
+          </p:cNvPicPr>
+          <p:nvPr/>
+        </p:nvPicPr>
+        <p:blipFill rotWithShape="1">
+          <a:blip r:embed="rId4"/>
+          <a:srcRect l="14440" t="41226" r="21378" b="31954"/>
+          <a:stretch/>
+        </p:blipFill>
+        <p:spPr>
+          <a:xfrm>
+            <a:off x="490437" y="2377967"/>
+            <a:ext cx="6533230" cy="2575034"/>
+          </a:xfrm>
+          <a:prstGeom prst="rect">
+            <a:avLst/>
+          </a:prstGeom>
+        </p:spPr>
+      </p:pic>
     </p:spTree>
   </p:cSld>
   <p:clrMapOvr>

--- a/City of Aaron/src/Misc/CIT 260 Mid-Term Presentation.pptx
+++ b/City of Aaron/src/Misc/CIT 260 Mid-Term Presentation.pptx
@@ -276,7 +276,7 @@
 <file path=ppt/revisionInfo.xml><?xml version="1.0" encoding="utf-8"?>
 <p1510:revInfo xmlns:a="http://schemas.openxmlformats.org/drawingml/2006/main" xmlns:r="http://schemas.openxmlformats.org/officeDocument/2006/relationships" xmlns:p1510="http://schemas.microsoft.com/office/powerpoint/2015/10/main">
   <p1510:revLst>
-    <p1510:client id="{31F8B8D6-A613-4CAB-A26B-F1DF0E5FC87B}" v="1" dt="2018-11-11T01:05:32.964"/>
+    <p1510:client id="{31F8B8D6-A613-4CAB-A26B-F1DF0E5FC87B}" v="2" dt="2018-11-11T01:21:41.419"/>
   </p1510:revLst>
 </p1510:revInfo>
 </file>
@@ -285,23 +285,31 @@
 <pc:chgInfo xmlns:a="http://schemas.openxmlformats.org/drawingml/2006/main" xmlns:r="http://schemas.openxmlformats.org/officeDocument/2006/relationships" xmlns:ac="http://schemas.microsoft.com/office/drawing/2013/main/command" xmlns:pc="http://schemas.microsoft.com/office/powerpoint/2013/main/command">
   <pc:docChgLst>
     <pc:chgData name="Edgar Romero" userId="4277ae02-cb03-4964-a174-af1da477243e" providerId="ADAL" clId="{31F8B8D6-A613-4CAB-A26B-F1DF0E5FC87B}"/>
-    <pc:docChg chg="modSld">
-      <pc:chgData name="Edgar Romero" userId="4277ae02-cb03-4964-a174-af1da477243e" providerId="ADAL" clId="{31F8B8D6-A613-4CAB-A26B-F1DF0E5FC87B}" dt="2018-11-11T01:06:00.832" v="7" actId="1076"/>
+    <pc:docChg chg="custSel modSld">
+      <pc:chgData name="Edgar Romero" userId="4277ae02-cb03-4964-a174-af1da477243e" providerId="ADAL" clId="{31F8B8D6-A613-4CAB-A26B-F1DF0E5FC87B}" dt="2018-11-11T01:22:11.569" v="16" actId="1076"/>
       <pc:docMkLst>
         <pc:docMk/>
       </pc:docMkLst>
-      <pc:sldChg chg="addSp modSp">
-        <pc:chgData name="Edgar Romero" userId="4277ae02-cb03-4964-a174-af1da477243e" providerId="ADAL" clId="{31F8B8D6-A613-4CAB-A26B-F1DF0E5FC87B}" dt="2018-11-11T01:06:00.832" v="7" actId="1076"/>
+      <pc:sldChg chg="addSp delSp modSp">
+        <pc:chgData name="Edgar Romero" userId="4277ae02-cb03-4964-a174-af1da477243e" providerId="ADAL" clId="{31F8B8D6-A613-4CAB-A26B-F1DF0E5FC87B}" dt="2018-11-11T01:22:11.569" v="16" actId="1076"/>
         <pc:sldMkLst>
           <pc:docMk/>
           <pc:sldMk cId="0" sldId="269"/>
         </pc:sldMkLst>
-        <pc:picChg chg="add mod modCrop">
-          <ac:chgData name="Edgar Romero" userId="4277ae02-cb03-4964-a174-af1da477243e" providerId="ADAL" clId="{31F8B8D6-A613-4CAB-A26B-F1DF0E5FC87B}" dt="2018-11-11T01:06:00.832" v="7" actId="1076"/>
+        <pc:picChg chg="add del mod modCrop">
+          <ac:chgData name="Edgar Romero" userId="4277ae02-cb03-4964-a174-af1da477243e" providerId="ADAL" clId="{31F8B8D6-A613-4CAB-A26B-F1DF0E5FC87B}" dt="2018-11-11T01:21:33.020" v="8" actId="478"/>
           <ac:picMkLst>
             <pc:docMk/>
             <pc:sldMk cId="0" sldId="269"/>
             <ac:picMk id="2" creationId="{51A128AF-5A43-4EDC-B340-D3D3B55B6CC4}"/>
+          </ac:picMkLst>
+        </pc:picChg>
+        <pc:picChg chg="add mod modCrop">
+          <ac:chgData name="Edgar Romero" userId="4277ae02-cb03-4964-a174-af1da477243e" providerId="ADAL" clId="{31F8B8D6-A613-4CAB-A26B-F1DF0E5FC87B}" dt="2018-11-11T01:22:11.569" v="16" actId="1076"/>
+          <ac:picMkLst>
+            <pc:docMk/>
+            <pc:sldMk cId="0" sldId="269"/>
+            <ac:picMk id="3" creationId="{8CCED284-4840-4D28-89FA-C361DC72DADC}"/>
           </ac:picMkLst>
         </pc:picChg>
       </pc:sldChg>
@@ -20923,10 +20931,10 @@
       </p:pic>
       <p:pic>
         <p:nvPicPr>
-          <p:cNvPr id="2" name="Picture 1">
+          <p:cNvPr id="3" name="Picture 2">
             <a:extLst>
               <a:ext uri="{FF2B5EF4-FFF2-40B4-BE49-F238E27FC236}">
-                <a16:creationId xmlns:a16="http://schemas.microsoft.com/office/drawing/2014/main" id="{51A128AF-5A43-4EDC-B340-D3D3B55B6CC4}"/>
+                <a16:creationId xmlns:a16="http://schemas.microsoft.com/office/drawing/2014/main" id="{8CCED284-4840-4D28-89FA-C361DC72DADC}"/>
               </a:ext>
             </a:extLst>
           </p:cNvPr>
@@ -20937,13 +20945,13 @@
         </p:nvPicPr>
         <p:blipFill rotWithShape="1">
           <a:blip r:embed="rId4"/>
-          <a:srcRect l="14440" t="41226" r="21378" b="31954"/>
+          <a:srcRect l="14687" t="55977" r="20985" b="19081"/>
           <a:stretch/>
         </p:blipFill>
         <p:spPr>
           <a:xfrm>
-            <a:off x="490437" y="2377967"/>
-            <a:ext cx="6533230" cy="2575034"/>
+            <a:off x="1082003" y="2362199"/>
+            <a:ext cx="5833805" cy="2133601"/>
           </a:xfrm>
           <a:prstGeom prst="rect">
             <a:avLst/>
